--- a/信息学奥赛/进制与进制转换.pptx
+++ b/信息学奥赛/进制与进制转换.pptx
@@ -18071,7 +18071,7 @@
               <a:rPr lang="en-US" sz="1050" b="0">
                 <a:latin typeface="Calibri" charset="0"/>
                 <a:ea typeface="宋体" pitchFamily="2" charset="-122"/>
-                <a:cs typeface="Times New Roman" panose="02020503050405090304" charset="0"/>
+                <a:cs typeface="Times New Roman" panose="02020603050405020304" charset="0"/>
               </a:rPr>
               <a:t>   </a:t>
             </a:r>
@@ -18134,7 +18134,7 @@
               <a:rPr lang="en-US" sz="1050" b="0">
                 <a:latin typeface="Calibri" charset="0"/>
                 <a:ea typeface="宋体" pitchFamily="2" charset="-122"/>
-                <a:cs typeface="Times New Roman" panose="02020503050405090304" charset="0"/>
+                <a:cs typeface="Times New Roman" panose="02020603050405020304" charset="0"/>
               </a:rPr>
               <a:t>   </a:t>
             </a:r>
@@ -19020,7 +19020,7 @@
               <a:rPr lang="en-US" sz="1050" b="0">
                 <a:latin typeface="Calibri" charset="0"/>
                 <a:ea typeface="宋体" pitchFamily="2" charset="-122"/>
-                <a:cs typeface="Times New Roman" panose="02020503050405090304" charset="0"/>
+                <a:cs typeface="Times New Roman" panose="02020603050405020304" charset="0"/>
               </a:rPr>
               <a:t>   </a:t>
             </a:r>
@@ -19057,7 +19057,7 @@
               <a:rPr lang="en-US" sz="1050" b="0">
                 <a:latin typeface="Calibri" charset="0"/>
                 <a:ea typeface="宋体" pitchFamily="2" charset="-122"/>
-                <a:cs typeface="Times New Roman" panose="02020503050405090304" charset="0"/>
+                <a:cs typeface="Times New Roman" panose="02020603050405020304" charset="0"/>
               </a:rPr>
               <a:t>   </a:t>
             </a:r>
@@ -20734,7 +20734,7 @@
               <a:rPr lang="en-US" sz="1050" b="0">
                 <a:latin typeface="Calibri" charset="0"/>
                 <a:ea typeface="宋体" pitchFamily="2" charset="-122"/>
-                <a:cs typeface="Times New Roman" panose="02020503050405090304" charset="0"/>
+                <a:cs typeface="Times New Roman" panose="02020603050405020304" charset="0"/>
               </a:rPr>
               <a:t>   </a:t>
             </a:r>
@@ -20771,7 +20771,7 @@
               <a:rPr lang="en-US" sz="1050" b="0">
                 <a:latin typeface="Calibri" charset="0"/>
                 <a:ea typeface="宋体" pitchFamily="2" charset="-122"/>
-                <a:cs typeface="Times New Roman" panose="02020503050405090304" charset="0"/>
+                <a:cs typeface="Times New Roman" panose="02020603050405020304" charset="0"/>
               </a:rPr>
               <a:t>   </a:t>
             </a:r>
@@ -22550,7 +22550,7 @@
               <a:rPr lang="en-US" sz="1050" b="0">
                 <a:latin typeface="Calibri" charset="0"/>
                 <a:ea typeface="宋体" pitchFamily="2" charset="-122"/>
-                <a:cs typeface="Times New Roman" panose="02020503050405090304" charset="0"/>
+                <a:cs typeface="Times New Roman" panose="02020603050405020304" charset="0"/>
               </a:rPr>
               <a:t>   </a:t>
             </a:r>
@@ -22587,7 +22587,7 @@
               <a:rPr lang="en-US" sz="1050" b="0">
                 <a:latin typeface="Calibri" charset="0"/>
                 <a:ea typeface="宋体" pitchFamily="2" charset="-122"/>
-                <a:cs typeface="Times New Roman" panose="02020503050405090304" charset="0"/>
+                <a:cs typeface="Times New Roman" panose="02020603050405020304" charset="0"/>
               </a:rPr>
               <a:t>   </a:t>
             </a:r>
@@ -25744,7 +25744,7 @@
               <a:rPr lang="en-US" sz="1050" b="0">
                 <a:latin typeface="Calibri" charset="0"/>
                 <a:ea typeface="宋体" pitchFamily="2" charset="-122"/>
-                <a:cs typeface="Times New Roman" panose="02020503050405090304" charset="0"/>
+                <a:cs typeface="Times New Roman" panose="02020603050405020304" charset="0"/>
               </a:rPr>
               <a:t>   </a:t>
             </a:r>
@@ -25781,7 +25781,7 @@
               <a:rPr lang="en-US" sz="1050" b="0">
                 <a:latin typeface="Calibri" charset="0"/>
                 <a:ea typeface="宋体" pitchFamily="2" charset="-122"/>
-                <a:cs typeface="Times New Roman" panose="02020503050405090304" charset="0"/>
+                <a:cs typeface="Times New Roman" panose="02020603050405020304" charset="0"/>
               </a:rPr>
               <a:t>   </a:t>
             </a:r>
